--- a/Whiteboard design session/WDS trainer presentation - AI with Databricks and Azure Machine Learning.pptx
+++ b/Whiteboard design session/WDS trainer presentation - AI with Databricks and Azure Machine Learning.pptx
@@ -149,8 +149,8 @@
 <file path=ppt/revisionInfo.xml><?xml version="1.0" encoding="utf-8"?>
 <p1510:revInfo xmlns:a="http://schemas.openxmlformats.org/drawingml/2006/main" xmlns:r="http://schemas.openxmlformats.org/officeDocument/2006/relationships" xmlns:p1510="http://schemas.microsoft.com/office/powerpoint/2015/10/main">
   <p1510:revLst>
+    <p1510:client id="{5F159153-6972-4091-9728-9592CD7B1E22}" v="1" dt="2018-06-29T19:57:36.034"/>
     <p1510:client id="{738DBAC3-60A1-4913-A600-E1113DEB827D}" v="37" dt="2018-05-10T17:30:28.024"/>
-    <p1510:client id="{5F159153-6972-4091-9728-9592CD7B1E22}" v="1" dt="2018-06-29T19:57:36.034"/>
   </p1510:revLst>
 </p1510:revInfo>
 </file>
@@ -237,7 +237,7 @@
           <a:p>
             <a:fld id="{52A13B17-C506-4D51-BB37-16B365906619}" type="datetimeFigureOut">
               <a:rPr lang="en-US" smtClean="0"/>
-              <a:t>6/15/2019</a:t>
+              <a:t>7/2/19</a:t>
             </a:fld>
             <a:endParaRPr lang="en-US"/>
           </a:p>
@@ -2750,7 +2750,7 @@
                   <a:prstClr val="black"/>
                 </a:solidFill>
               </a:rPr>
-              <a:t>6/15/2019 10:31 AM</a:t>
+              <a:t>7/2/19 7:53 PM</a:t>
             </a:fld>
             <a:endParaRPr lang="en-US" dirty="0">
               <a:solidFill>
@@ -15431,7 +15431,7 @@
           <a:p>
             <a:r>
               <a:rPr lang="en-US" b="1" dirty="0"/>
-              <a:t>AI with Databricks and Azure Machine Learning</a:t>
+              <a:t>Machine Learning</a:t>
             </a:r>
             <a:endParaRPr lang="en-US" dirty="0"/>
           </a:p>
@@ -15528,7 +15528,7 @@
           <a:p>
             <a:r>
               <a:rPr lang="en-US" b="1" dirty="0"/>
-              <a:t>Azure Machine Learning taxonomy</a:t>
+              <a:t>Azure Machine Learning Service taxonomy</a:t>
             </a:r>
             <a:endParaRPr lang="en-US" dirty="0"/>
           </a:p>
@@ -17834,7 +17834,7 @@
           <a:p>
             <a:r>
               <a:rPr lang="en-US" dirty="0"/>
-              <a:t>In this whiteboard design session, you will work with a group to design a solution that combines Azure Databricks with Azure Machine Learning to build, train and deploy the machine learning and deep learning models. You will learn:</a:t>
+              <a:t>In this whiteboard design session, you will work with a group to design a solution that combines Azure Databricks with Azure Machine Learning Service to build, train and deploy the machine learning and deep learning models. You will learn:</a:t>
             </a:r>
             <a:br>
               <a:rPr lang="en-US" dirty="0"/>
@@ -21280,7 +21280,7 @@
                   <a:schemeClr val="tx1"/>
                 </a:solidFill>
               </a:rPr>
-              <a:t>We have heard Azure Machine Learning supports automated machine learning, can we use automated machine learning to create models using deep learning? Can we really expect a non-data scientist to create performant models using these tools?  </a:t>
+              <a:t>We have heard Azure Machine Learning service supports automated machine learning, can we use automated machine learning to create models using deep learning? Can we really expect a non-data scientist to create performant models using these tools?  </a:t>
             </a:r>
           </a:p>
           <a:p>
@@ -22232,15 +22232,6 @@
 </file>
 
 <file path=customXml/item1.xml><?xml version="1.0" encoding="utf-8"?>
-<?mso-contentType ?>
-<FormTemplates xmlns="http://schemas.microsoft.com/sharepoint/v3/contenttype/forms">
-  <Display>DocumentLibraryForm</Display>
-  <Edit>DocumentLibraryForm</Edit>
-  <New>DocumentLibraryForm</New>
-</FormTemplates>
-</file>
-
-<file path=customXml/item2.xml><?xml version="1.0" encoding="utf-8"?>
 <ct:contentTypeSchema xmlns:ct="http://schemas.microsoft.com/office/2006/metadata/contentType" xmlns:ma="http://schemas.microsoft.com/office/2006/metadata/properties/metaAttributes" ct:_="" ma:_="" ma:contentTypeName="Document" ma:contentTypeID="0x010100D15DFA3690A15B4081582BBCC6BEAC3E" ma:contentTypeVersion="9" ma:contentTypeDescription="Create a new document." ma:contentTypeScope="" ma:versionID="642da1784587cbe85a7fdbbe4dc36103">
   <xsd:schema xmlns:xsd="http://www.w3.org/2001/XMLSchema" xmlns:xs="http://www.w3.org/2001/XMLSchema" xmlns:p="http://schemas.microsoft.com/office/2006/metadata/properties" xmlns:ns1="http://schemas.microsoft.com/sharepoint/v3" xmlns:ns2="2023ac63-7b75-4916-a9ee-591457758eee" xmlns:ns3="d9c797ad-d7c3-4982-82b7-81352a75e4a5" targetNamespace="http://schemas.microsoft.com/office/2006/metadata/properties" ma:root="true" ma:fieldsID="91198b0246576053cc55dd2c67035a89" ns1:_="" ns2:_="" ns3:_="">
     <xsd:import namespace="http://schemas.microsoft.com/sharepoint/v3"/>
@@ -22442,6 +22433,15 @@
 </ct:contentTypeSchema>
 </file>
 
+<file path=customXml/item2.xml><?xml version="1.0" encoding="utf-8"?>
+<?mso-contentType ?>
+<FormTemplates xmlns="http://schemas.microsoft.com/sharepoint/v3/contenttype/forms">
+  <Display>DocumentLibraryForm</Display>
+  <Edit>DocumentLibraryForm</Edit>
+  <New>DocumentLibraryForm</New>
+</FormTemplates>
+</file>
+
 <file path=customXml/item3.xml><?xml version="1.0" encoding="utf-8"?>
 <p:properties xmlns:p="http://schemas.microsoft.com/office/2006/metadata/properties" xmlns:xsi="http://www.w3.org/2001/XMLSchema-instance" xmlns:pc="http://schemas.microsoft.com/office/infopath/2007/PartnerControls">
   <documentManagement>
@@ -22452,14 +22452,6 @@
 </file>
 
 <file path=customXml/itemProps1.xml><?xml version="1.0" encoding="utf-8"?>
-<ds:datastoreItem xmlns:ds="http://schemas.openxmlformats.org/officeDocument/2006/customXml" ds:itemID="{F18501AF-04CF-4482-BAE1-607B49DDC378}">
-  <ds:schemaRefs>
-    <ds:schemaRef ds:uri="http://schemas.microsoft.com/sharepoint/v3/contenttype/forms"/>
-  </ds:schemaRefs>
-</ds:datastoreItem>
-</file>
-
-<file path=customXml/itemProps2.xml><?xml version="1.0" encoding="utf-8"?>
 <ds:datastoreItem xmlns:ds="http://schemas.openxmlformats.org/officeDocument/2006/customXml" ds:itemID="{255F5BEB-6AD6-480A-8556-C80C5EBC10F2}">
   <ds:schemaRefs>
     <ds:schemaRef ds:uri="http://schemas.microsoft.com/office/2006/metadata/contentType"/>
@@ -22475,6 +22467,14 @@
     <ds:schemaRef ds:uri="http://purl.org/dc/elements/1.1/"/>
     <ds:schemaRef ds:uri="http://purl.org/dc/terms/"/>
     <ds:schemaRef ds:uri="http://schemas.microsoft.com/internal/obd"/>
+  </ds:schemaRefs>
+</ds:datastoreItem>
+</file>
+
+<file path=customXml/itemProps2.xml><?xml version="1.0" encoding="utf-8"?>
+<ds:datastoreItem xmlns:ds="http://schemas.openxmlformats.org/officeDocument/2006/customXml" ds:itemID="{F18501AF-04CF-4482-BAE1-607B49DDC378}">
+  <ds:schemaRefs>
+    <ds:schemaRef ds:uri="http://schemas.microsoft.com/sharepoint/v3/contenttype/forms"/>
   </ds:schemaRefs>
 </ds:datastoreItem>
 </file>

--- a/Whiteboard design session/WDS trainer presentation - AI with Databricks and Azure Machine Learning.pptx
+++ b/Whiteboard design session/WDS trainer presentation - AI with Databricks and Azure Machine Learning.pptx
@@ -149,8 +149,8 @@
 <file path=ppt/revisionInfo.xml><?xml version="1.0" encoding="utf-8"?>
 <p1510:revInfo xmlns:a="http://schemas.openxmlformats.org/drawingml/2006/main" xmlns:r="http://schemas.openxmlformats.org/officeDocument/2006/relationships" xmlns:p1510="http://schemas.microsoft.com/office/powerpoint/2015/10/main">
   <p1510:revLst>
+    <p1510:client id="{738DBAC3-60A1-4913-A600-E1113DEB827D}" v="37" dt="2018-05-10T17:30:28.024"/>
     <p1510:client id="{5F159153-6972-4091-9728-9592CD7B1E22}" v="1" dt="2018-06-29T19:57:36.034"/>
-    <p1510:client id="{738DBAC3-60A1-4913-A600-E1113DEB827D}" v="37" dt="2018-05-10T17:30:28.024"/>
   </p1510:revLst>
 </p1510:revInfo>
 </file>
@@ -237,7 +237,7 @@
           <a:p>
             <a:fld id="{52A13B17-C506-4D51-BB37-16B365906619}" type="datetimeFigureOut">
               <a:rPr lang="en-US" smtClean="0"/>
-              <a:t>7/2/19</a:t>
+              <a:t>7/3/19</a:t>
             </a:fld>
             <a:endParaRPr lang="en-US"/>
           </a:p>
@@ -2750,7 +2750,7 @@
                   <a:prstClr val="black"/>
                 </a:solidFill>
               </a:rPr>
-              <a:t>7/2/19 7:53 PM</a:t>
+              <a:t>7/3/19 7:50 AM</a:t>
             </a:fld>
             <a:endParaRPr lang="en-US" dirty="0">
               <a:solidFill>
@@ -15528,7 +15528,7 @@
           <a:p>
             <a:r>
               <a:rPr lang="en-US" b="1" dirty="0"/>
-              <a:t>Azure Machine Learning Service taxonomy</a:t>
+              <a:t>Azure Machine Learning service taxonomy</a:t>
             </a:r>
             <a:endParaRPr lang="en-US" dirty="0"/>
           </a:p>
@@ -17834,7 +17834,7 @@
           <a:p>
             <a:r>
               <a:rPr lang="en-US" dirty="0"/>
-              <a:t>In this whiteboard design session, you will work with a group to design a solution that combines Azure Databricks with Azure Machine Learning Service to build, train and deploy the machine learning and deep learning models. You will learn:</a:t>
+              <a:t>In this whiteboard design session, you will work with a group to design a solution that combines Azure Databricks with Azure Machine Learning service to build, train and deploy the machine learning and deep learning models. You will learn:</a:t>
             </a:r>
             <a:br>
               <a:rPr lang="en-US" dirty="0"/>
@@ -22434,21 +22434,21 @@
 </file>
 
 <file path=customXml/item2.xml><?xml version="1.0" encoding="utf-8"?>
+<p:properties xmlns:p="http://schemas.microsoft.com/office/2006/metadata/properties" xmlns:xsi="http://www.w3.org/2001/XMLSchema-instance" xmlns:pc="http://schemas.microsoft.com/office/infopath/2007/PartnerControls">
+  <documentManagement>
+    <_ip_UnifiedCompliancePolicyUIAction xmlns="http://schemas.microsoft.com/sharepoint/v3" xsi:nil="true"/>
+    <_ip_UnifiedCompliancePolicyProperties xmlns="http://schemas.microsoft.com/sharepoint/v3" xsi:nil="true"/>
+  </documentManagement>
+</p:properties>
+</file>
+
+<file path=customXml/item3.xml><?xml version="1.0" encoding="utf-8"?>
 <?mso-contentType ?>
 <FormTemplates xmlns="http://schemas.microsoft.com/sharepoint/v3/contenttype/forms">
   <Display>DocumentLibraryForm</Display>
   <Edit>DocumentLibraryForm</Edit>
   <New>DocumentLibraryForm</New>
 </FormTemplates>
-</file>
-
-<file path=customXml/item3.xml><?xml version="1.0" encoding="utf-8"?>
-<p:properties xmlns:p="http://schemas.microsoft.com/office/2006/metadata/properties" xmlns:xsi="http://www.w3.org/2001/XMLSchema-instance" xmlns:pc="http://schemas.microsoft.com/office/infopath/2007/PartnerControls">
-  <documentManagement>
-    <_ip_UnifiedCompliancePolicyUIAction xmlns="http://schemas.microsoft.com/sharepoint/v3" xsi:nil="true"/>
-    <_ip_UnifiedCompliancePolicyProperties xmlns="http://schemas.microsoft.com/sharepoint/v3" xsi:nil="true"/>
-  </documentManagement>
-</p:properties>
 </file>
 
 <file path=customXml/itemProps1.xml><?xml version="1.0" encoding="utf-8"?>
@@ -22472,14 +22472,6 @@
 </file>
 
 <file path=customXml/itemProps2.xml><?xml version="1.0" encoding="utf-8"?>
-<ds:datastoreItem xmlns:ds="http://schemas.openxmlformats.org/officeDocument/2006/customXml" ds:itemID="{F18501AF-04CF-4482-BAE1-607B49DDC378}">
-  <ds:schemaRefs>
-    <ds:schemaRef ds:uri="http://schemas.microsoft.com/sharepoint/v3/contenttype/forms"/>
-  </ds:schemaRefs>
-</ds:datastoreItem>
-</file>
-
-<file path=customXml/itemProps3.xml><?xml version="1.0" encoding="utf-8"?>
 <ds:datastoreItem xmlns:ds="http://schemas.openxmlformats.org/officeDocument/2006/customXml" ds:itemID="{BAF7D529-36AB-45DA-B239-2F912F2D1610}">
   <ds:schemaRefs>
     <ds:schemaRef ds:uri="http://purl.org/dc/elements/1.1/"/>
@@ -22495,4 +22487,12 @@
     <ds:schemaRef ds:uri="http://www.w3.org/XML/1998/namespace"/>
   </ds:schemaRefs>
 </ds:datastoreItem>
+</file>
+
+<file path=customXml/itemProps3.xml><?xml version="1.0" encoding="utf-8"?>
+<ds:datastoreItem xmlns:ds="http://schemas.openxmlformats.org/officeDocument/2006/customXml" ds:itemID="{F18501AF-04CF-4482-BAE1-607B49DDC378}">
+  <ds:schemaRefs>
+    <ds:schemaRef ds:uri="http://schemas.microsoft.com/sharepoint/v3/contenttype/forms"/>
+  </ds:schemaRefs>
+</ds:datastoreItem>
 </file>